--- a/Web/PROTOTIPO WEB.pptx
+++ b/Web/PROTOTIPO WEB.pptx
@@ -7,14 +7,15 @@
   <p:sldIdLst>
     <p:sldId id="260" r:id="rId2"/>
     <p:sldId id="257" r:id="rId3"/>
-    <p:sldId id="261" r:id="rId4"/>
-    <p:sldId id="262" r:id="rId5"/>
-    <p:sldId id="263" r:id="rId6"/>
-    <p:sldId id="264" r:id="rId7"/>
-    <p:sldId id="265" r:id="rId8"/>
-    <p:sldId id="268" r:id="rId9"/>
-    <p:sldId id="266" r:id="rId10"/>
-    <p:sldId id="267" r:id="rId11"/>
+    <p:sldId id="269" r:id="rId4"/>
+    <p:sldId id="261" r:id="rId5"/>
+    <p:sldId id="262" r:id="rId6"/>
+    <p:sldId id="263" r:id="rId7"/>
+    <p:sldId id="264" r:id="rId8"/>
+    <p:sldId id="265" r:id="rId9"/>
+    <p:sldId id="268" r:id="rId10"/>
+    <p:sldId id="266" r:id="rId11"/>
+    <p:sldId id="267" r:id="rId12"/>
   </p:sldIdLst>
   <p:sldSz cx="12192000" cy="6858000"/>
   <p:notesSz cx="6858000" cy="9144000"/>
@@ -113,6 +114,11 @@
       </a:defRPr>
     </a:lvl9pPr>
   </p:defaultTextStyle>
+  <p:extLst>
+    <p:ext uri="{EFAFB233-063F-42B5-8137-9DF3F51BA10A}">
+      <p15:sldGuideLst xmlns:p15="http://schemas.microsoft.com/office/powerpoint/2012/main"/>
+    </p:ext>
+  </p:extLst>
 </p:presentation>
 </file>
 
@@ -3629,6 +3635,35 @@
           </a:p>
         </p:txBody>
       </p:sp>
+      <p:pic>
+        <p:nvPicPr>
+          <p:cNvPr id="4" name="Imagen 3"/>
+          <p:cNvPicPr>
+            <a:picLocks noChangeAspect="1"/>
+          </p:cNvPicPr>
+          <p:nvPr/>
+        </p:nvPicPr>
+        <p:blipFill rotWithShape="1">
+          <a:blip r:embed="rId2">
+            <a:extLst>
+              <a:ext uri="{28A0092B-C50C-407E-A947-70E740481C1C}">
+                <a14:useLocalDpi xmlns:a14="http://schemas.microsoft.com/office/drawing/2010/main" val="0"/>
+              </a:ext>
+            </a:extLst>
+          </a:blip>
+          <a:srcRect l="22812" t="7101" r="23131" b="23175"/>
+          <a:stretch/>
+        </p:blipFill>
+        <p:spPr>
+          <a:xfrm>
+            <a:off x="0" y="0"/>
+            <a:ext cx="1132609" cy="1122218"/>
+          </a:xfrm>
+          <a:prstGeom prst="rect">
+            <a:avLst/>
+          </a:prstGeom>
+        </p:spPr>
+      </p:pic>
     </p:spTree>
     <p:extLst>
       <p:ext uri="{BB962C8B-B14F-4D97-AF65-F5344CB8AC3E}">
@@ -3676,6 +3711,138 @@
             <a:spLocks noGrp="1"/>
           </p:cNvSpPr>
           <p:nvPr>
+            <p:ph type="ctrTitle"/>
+          </p:nvPr>
+        </p:nvSpPr>
+        <p:spPr/>
+        <p:txBody>
+          <a:bodyPr/>
+          <a:lstStyle/>
+          <a:p>
+            <a:r>
+              <a:rPr lang="es-PE" dirty="0" smtClean="0"/>
+              <a:t>Prototipo base de datos</a:t>
+            </a:r>
+            <a:endParaRPr lang="es-PE" dirty="0"/>
+          </a:p>
+        </p:txBody>
+      </p:sp>
+      <p:sp>
+        <p:nvSpPr>
+          <p:cNvPr id="4" name="Subtítulo 2"/>
+          <p:cNvSpPr>
+            <a:spLocks noGrp="1"/>
+          </p:cNvSpPr>
+          <p:nvPr>
+            <p:ph type="subTitle" idx="1"/>
+          </p:nvPr>
+        </p:nvSpPr>
+        <p:spPr>
+          <a:xfrm>
+            <a:off x="2417780" y="3531204"/>
+            <a:ext cx="8637072" cy="977621"/>
+          </a:xfrm>
+        </p:spPr>
+        <p:txBody>
+          <a:bodyPr/>
+          <a:lstStyle/>
+          <a:p>
+            <a:pPr algn="r"/>
+            <a:r>
+              <a:rPr lang="es-PE" dirty="0" smtClean="0"/>
+              <a:t>INVERTALINE</a:t>
+            </a:r>
+          </a:p>
+          <a:p>
+            <a:pPr algn="r"/>
+            <a:r>
+              <a:rPr lang="es-PE" dirty="0" smtClean="0"/>
+              <a:t>3J </a:t>
+            </a:r>
+            <a:r>
+              <a:rPr lang="es-PE" dirty="0" err="1" smtClean="0"/>
+              <a:t>sOFT</a:t>
+            </a:r>
+            <a:endParaRPr lang="es-PE" dirty="0"/>
+          </a:p>
+        </p:txBody>
+      </p:sp>
+      <p:pic>
+        <p:nvPicPr>
+          <p:cNvPr id="5" name="Imagen 4"/>
+          <p:cNvPicPr>
+            <a:picLocks noChangeAspect="1"/>
+          </p:cNvPicPr>
+          <p:nvPr/>
+        </p:nvPicPr>
+        <p:blipFill rotWithShape="1">
+          <a:blip r:embed="rId2">
+            <a:extLst>
+              <a:ext uri="{28A0092B-C50C-407E-A947-70E740481C1C}">
+                <a14:useLocalDpi xmlns:a14="http://schemas.microsoft.com/office/drawing/2010/main" val="0"/>
+              </a:ext>
+            </a:extLst>
+          </a:blip>
+          <a:srcRect l="22812" t="7101" r="23131" b="23175"/>
+          <a:stretch/>
+        </p:blipFill>
+        <p:spPr>
+          <a:xfrm>
+            <a:off x="0" y="0"/>
+            <a:ext cx="1132609" cy="1122218"/>
+          </a:xfrm>
+          <a:prstGeom prst="rect">
+            <a:avLst/>
+          </a:prstGeom>
+        </p:spPr>
+      </p:pic>
+    </p:spTree>
+    <p:extLst>
+      <p:ext uri="{BB962C8B-B14F-4D97-AF65-F5344CB8AC3E}">
+        <p14:creationId xmlns:p14="http://schemas.microsoft.com/office/powerpoint/2010/main" val="2529416924"/>
+      </p:ext>
+    </p:extLst>
+  </p:cSld>
+  <p:clrMapOvr>
+    <a:masterClrMapping/>
+  </p:clrMapOvr>
+  <p:transition spd="slow">
+    <p:randomBar dir="vert"/>
+  </p:transition>
+  <p:timing>
+    <p:tnLst>
+      <p:par>
+        <p:cTn id="1" dur="indefinite" restart="never" nodeType="tmRoot"/>
+      </p:par>
+    </p:tnLst>
+  </p:timing>
+</p:sld>
+</file>
+
+<file path=ppt/slides/slide11.xml><?xml version="1.0" encoding="utf-8"?>
+<p:sld xmlns:a="http://schemas.openxmlformats.org/drawingml/2006/main" xmlns:r="http://schemas.openxmlformats.org/officeDocument/2006/relationships" xmlns:p="http://schemas.openxmlformats.org/presentationml/2006/main">
+  <p:cSld>
+    <p:spTree>
+      <p:nvGrpSpPr>
+        <p:cNvPr id="1" name=""/>
+        <p:cNvGrpSpPr/>
+        <p:nvPr/>
+      </p:nvGrpSpPr>
+      <p:grpSpPr>
+        <a:xfrm>
+          <a:off x="0" y="0"/>
+          <a:ext cx="0" cy="0"/>
+          <a:chOff x="0" y="0"/>
+          <a:chExt cx="0" cy="0"/>
+        </a:xfrm>
+      </p:grpSpPr>
+      <p:sp>
+        <p:nvSpPr>
+          <p:cNvPr id="2" name="Título 1"/>
+          <p:cNvSpPr>
+            <a:spLocks noGrp="1"/>
+          </p:cNvSpPr>
+          <p:nvPr>
             <p:ph type="title"/>
           </p:nvPr>
         </p:nvSpPr>
@@ -3729,6 +3896,35 @@
           </a:xfrm>
         </p:spPr>
       </p:pic>
+      <p:pic>
+        <p:nvPicPr>
+          <p:cNvPr id="5" name="Imagen 4"/>
+          <p:cNvPicPr>
+            <a:picLocks noChangeAspect="1"/>
+          </p:cNvPicPr>
+          <p:nvPr/>
+        </p:nvPicPr>
+        <p:blipFill rotWithShape="1">
+          <a:blip r:embed="rId3">
+            <a:extLst>
+              <a:ext uri="{28A0092B-C50C-407E-A947-70E740481C1C}">
+                <a14:useLocalDpi xmlns:a14="http://schemas.microsoft.com/office/drawing/2010/main" val="0"/>
+              </a:ext>
+            </a:extLst>
+          </a:blip>
+          <a:srcRect l="22812" t="7101" r="23131" b="23175"/>
+          <a:stretch/>
+        </p:blipFill>
+        <p:spPr>
+          <a:xfrm>
+            <a:off x="0" y="0"/>
+            <a:ext cx="1132609" cy="1122218"/>
+          </a:xfrm>
+          <a:prstGeom prst="rect">
+            <a:avLst/>
+          </a:prstGeom>
+        </p:spPr>
+      </p:pic>
     </p:spTree>
     <p:extLst>
       <p:ext uri="{BB962C8B-B14F-4D97-AF65-F5344CB8AC3E}">
@@ -3739,13 +3935,13 @@
   <p:clrMapOvr>
     <a:masterClrMapping/>
   </p:clrMapOvr>
-  <mc:AlternateContent xmlns:mc="http://schemas.openxmlformats.org/markup-compatibility/2006">
-    <mc:Choice xmlns:p14="http://schemas.microsoft.com/office/powerpoint/2010/main" Requires="p14">
+  <mc:AlternateContent xmlns:mc="http://schemas.openxmlformats.org/markup-compatibility/2006" xmlns:p14="http://schemas.microsoft.com/office/powerpoint/2010/main">
+    <mc:Choice Requires="p14">
       <p:transition spd="slow" p14:dur="800">
         <p:circle/>
       </p:transition>
     </mc:Choice>
-    <mc:Fallback>
+    <mc:Fallback xmlns="">
       <p:transition spd="slow">
         <p:circle/>
       </p:transition>
@@ -3882,6 +4078,35 @@
           </a:p>
         </p:txBody>
       </p:sp>
+      <p:pic>
+        <p:nvPicPr>
+          <p:cNvPr id="4" name="Imagen 3"/>
+          <p:cNvPicPr>
+            <a:picLocks noChangeAspect="1"/>
+          </p:cNvPicPr>
+          <p:nvPr/>
+        </p:nvPicPr>
+        <p:blipFill rotWithShape="1">
+          <a:blip r:embed="rId2">
+            <a:extLst>
+              <a:ext uri="{28A0092B-C50C-407E-A947-70E740481C1C}">
+                <a14:useLocalDpi xmlns:a14="http://schemas.microsoft.com/office/drawing/2010/main" val="0"/>
+              </a:ext>
+            </a:extLst>
+          </a:blip>
+          <a:srcRect l="22812" t="7101" r="23131" b="23175"/>
+          <a:stretch/>
+        </p:blipFill>
+        <p:spPr>
+          <a:xfrm>
+            <a:off x="0" y="0"/>
+            <a:ext cx="1132609" cy="1122218"/>
+          </a:xfrm>
+          <a:prstGeom prst="rect">
+            <a:avLst/>
+          </a:prstGeom>
+        </p:spPr>
+      </p:pic>
     </p:spTree>
     <p:extLst>
       <p:ext uri="{BB962C8B-B14F-4D97-AF65-F5344CB8AC3E}">
@@ -3892,13 +4117,13 @@
   <p:clrMapOvr>
     <a:masterClrMapping/>
   </p:clrMapOvr>
-  <mc:AlternateContent xmlns:mc="http://schemas.openxmlformats.org/markup-compatibility/2006">
-    <mc:Choice xmlns:p14="http://schemas.microsoft.com/office/powerpoint/2010/main" Requires="p14">
+  <mc:AlternateContent xmlns:mc="http://schemas.openxmlformats.org/markup-compatibility/2006" xmlns:p14="http://schemas.microsoft.com/office/powerpoint/2010/main">
+    <mc:Choice Requires="p14">
       <p:transition spd="slow" p14:dur="1500">
         <p:split orient="vert"/>
       </p:transition>
     </mc:Choice>
-    <mc:Fallback>
+    <mc:Fallback xmlns="">
       <p:transition spd="slow">
         <p:split orient="vert"/>
       </p:transition>
@@ -3943,31 +4168,31 @@
         </p:nvSpPr>
         <p:spPr>
           <a:xfrm>
-            <a:off x="1464642" y="1000463"/>
-            <a:ext cx="9603275" cy="802212"/>
-          </a:xfrm>
-        </p:spPr>
-        <p:txBody>
-          <a:bodyPr>
-            <a:normAutofit/>
-          </a:bodyPr>
+            <a:off x="1461969" y="1095464"/>
+            <a:ext cx="9603275" cy="1049235"/>
+          </a:xfrm>
+        </p:spPr>
+        <p:txBody>
+          <a:bodyPr/>
           <a:lstStyle/>
           <a:p>
             <a:r>
               <a:rPr lang="es-PE" sz="4800" dirty="0" smtClean="0">
                 <a:latin typeface="Candara" panose="020E0502030303020204" pitchFamily="34" charset="0"/>
               </a:rPr>
-              <a:t>loGIN</a:t>
-            </a:r>
-            <a:endParaRPr lang="es-PE" sz="4800" dirty="0">
-              <a:latin typeface="Candara" panose="020E0502030303020204" pitchFamily="34" charset="0"/>
-            </a:endParaRPr>
+              <a:t>Logo</a:t>
+            </a:r>
+            <a:r>
+              <a:rPr lang="es-PE" dirty="0" smtClean="0"/>
+              <a:t> </a:t>
+            </a:r>
+            <a:endParaRPr lang="es-PE" dirty="0"/>
           </a:p>
         </p:txBody>
       </p:sp>
       <p:pic>
         <p:nvPicPr>
-          <p:cNvPr id="5" name="Marcador de contenido 4"/>
+          <p:cNvPr id="4" name="Marcador de contenido 3"/>
           <p:cNvPicPr>
             <a:picLocks noGrp="1" noChangeAspect="1"/>
           </p:cNvPicPr>
@@ -3975,7 +4200,7 @@
             <p:ph idx="1"/>
           </p:nvPr>
         </p:nvPicPr>
-        <p:blipFill>
+        <p:blipFill rotWithShape="1">
           <a:blip r:embed="rId2">
             <a:extLst>
               <a:ext uri="{28A0092B-C50C-407E-A947-70E740481C1C}">
@@ -3983,21 +4208,52 @@
               </a:ext>
             </a:extLst>
           </a:blip>
-          <a:stretch>
-            <a:fillRect/>
-          </a:stretch>
+          <a:srcRect l="22812" t="7101" r="23131" b="23175"/>
+          <a:stretch/>
         </p:blipFill>
         <p:spPr>
           <a:xfrm>
-            <a:off x="2478106" y="2003061"/>
-            <a:ext cx="7266285" cy="4541429"/>
-          </a:xfrm>
+            <a:off x="4668542" y="2660285"/>
+            <a:ext cx="2334931" cy="2313495"/>
+          </a:xfrm>
+          <a:prstGeom prst="rect">
+            <a:avLst/>
+          </a:prstGeom>
+        </p:spPr>
+      </p:pic>
+      <p:pic>
+        <p:nvPicPr>
+          <p:cNvPr id="5" name="Imagen 4"/>
+          <p:cNvPicPr>
+            <a:picLocks noChangeAspect="1"/>
+          </p:cNvPicPr>
+          <p:nvPr/>
+        </p:nvPicPr>
+        <p:blipFill rotWithShape="1">
+          <a:blip r:embed="rId2">
+            <a:extLst>
+              <a:ext uri="{28A0092B-C50C-407E-A947-70E740481C1C}">
+                <a14:useLocalDpi xmlns:a14="http://schemas.microsoft.com/office/drawing/2010/main" val="0"/>
+              </a:ext>
+            </a:extLst>
+          </a:blip>
+          <a:srcRect l="22812" t="7101" r="23131" b="23175"/>
+          <a:stretch/>
+        </p:blipFill>
+        <p:spPr>
+          <a:xfrm>
+            <a:off x="0" y="0"/>
+            <a:ext cx="1132609" cy="1122218"/>
+          </a:xfrm>
+          <a:prstGeom prst="rect">
+            <a:avLst/>
+          </a:prstGeom>
         </p:spPr>
       </p:pic>
     </p:spTree>
     <p:extLst>
       <p:ext uri="{BB962C8B-B14F-4D97-AF65-F5344CB8AC3E}">
-        <p14:creationId xmlns:p14="http://schemas.microsoft.com/office/powerpoint/2010/main" val="2644913895"/>
+        <p14:creationId xmlns:p14="http://schemas.microsoft.com/office/powerpoint/2010/main" val="2260668576"/>
       </p:ext>
     </p:extLst>
   </p:cSld>
@@ -4046,7 +4302,7 @@
         </p:nvSpPr>
         <p:spPr>
           <a:xfrm>
-            <a:off x="1499274" y="1039651"/>
+            <a:off x="1464642" y="1000463"/>
             <a:ext cx="9603275" cy="802212"/>
           </a:xfrm>
         </p:spPr>
@@ -4060,7 +4316,7 @@
               <a:rPr lang="es-PE" sz="4800" dirty="0" smtClean="0">
                 <a:latin typeface="Candara" panose="020E0502030303020204" pitchFamily="34" charset="0"/>
               </a:rPr>
-              <a:t>Agregar nuevo Usuario</a:t>
+              <a:t>loGIN</a:t>
             </a:r>
             <a:endParaRPr lang="es-PE" sz="4800" dirty="0">
               <a:latin typeface="Candara" panose="020E0502030303020204" pitchFamily="34" charset="0"/>
@@ -4070,7 +4326,7 @@
       </p:sp>
       <p:pic>
         <p:nvPicPr>
-          <p:cNvPr id="4" name="Marcador de contenido 3"/>
+          <p:cNvPr id="5" name="Marcador de contenido 4"/>
           <p:cNvPicPr>
             <a:picLocks noGrp="1" noChangeAspect="1"/>
           </p:cNvPicPr>
@@ -4092,15 +4348,44 @@
         </p:blipFill>
         <p:spPr>
           <a:xfrm>
-            <a:off x="2451981" y="2003060"/>
-            <a:ext cx="7697859" cy="4619808"/>
-          </a:xfrm>
+            <a:off x="2478106" y="2003061"/>
+            <a:ext cx="7266285" cy="4541429"/>
+          </a:xfrm>
+        </p:spPr>
+      </p:pic>
+      <p:pic>
+        <p:nvPicPr>
+          <p:cNvPr id="4" name="Imagen 3"/>
+          <p:cNvPicPr>
+            <a:picLocks noChangeAspect="1"/>
+          </p:cNvPicPr>
+          <p:nvPr/>
+        </p:nvPicPr>
+        <p:blipFill rotWithShape="1">
+          <a:blip r:embed="rId3">
+            <a:extLst>
+              <a:ext uri="{28A0092B-C50C-407E-A947-70E740481C1C}">
+                <a14:useLocalDpi xmlns:a14="http://schemas.microsoft.com/office/drawing/2010/main" val="0"/>
+              </a:ext>
+            </a:extLst>
+          </a:blip>
+          <a:srcRect l="22812" t="7101" r="23131" b="23175"/>
+          <a:stretch/>
+        </p:blipFill>
+        <p:spPr>
+          <a:xfrm>
+            <a:off x="0" y="0"/>
+            <a:ext cx="1132609" cy="1122218"/>
+          </a:xfrm>
+          <a:prstGeom prst="rect">
+            <a:avLst/>
+          </a:prstGeom>
         </p:spPr>
       </p:pic>
     </p:spTree>
     <p:extLst>
       <p:ext uri="{BB962C8B-B14F-4D97-AF65-F5344CB8AC3E}">
-        <p14:creationId xmlns:p14="http://schemas.microsoft.com/office/powerpoint/2010/main" val="474162286"/>
+        <p14:creationId xmlns:p14="http://schemas.microsoft.com/office/powerpoint/2010/main" val="2644913895"/>
       </p:ext>
     </p:extLst>
   </p:cSld>
@@ -4149,8 +4434,8 @@
         </p:nvSpPr>
         <p:spPr>
           <a:xfrm>
-            <a:off x="1420895" y="1013524"/>
-            <a:ext cx="9603275" cy="1049235"/>
+            <a:off x="1499274" y="1039651"/>
+            <a:ext cx="9603275" cy="802212"/>
           </a:xfrm>
         </p:spPr>
         <p:txBody>
@@ -4160,10 +4445,10 @@
           <a:lstStyle/>
           <a:p>
             <a:r>
-              <a:rPr lang="es-PE" sz="4800" dirty="0">
+              <a:rPr lang="es-PE" sz="4800" dirty="0" smtClean="0">
                 <a:latin typeface="Candara" panose="020E0502030303020204" pitchFamily="34" charset="0"/>
               </a:rPr>
-              <a:t>Usuario Registrado</a:t>
+              <a:t>Agregar nuevo Usuario</a:t>
             </a:r>
             <a:endParaRPr lang="es-PE" sz="4800" dirty="0">
               <a:latin typeface="Candara" panose="020E0502030303020204" pitchFamily="34" charset="0"/>
@@ -4195,15 +4480,44 @@
         </p:blipFill>
         <p:spPr>
           <a:xfrm>
-            <a:off x="2478107" y="1950809"/>
-            <a:ext cx="7488853" cy="4680534"/>
-          </a:xfrm>
+            <a:off x="2451981" y="2003060"/>
+            <a:ext cx="7697859" cy="4619808"/>
+          </a:xfrm>
+        </p:spPr>
+      </p:pic>
+      <p:pic>
+        <p:nvPicPr>
+          <p:cNvPr id="5" name="Imagen 4"/>
+          <p:cNvPicPr>
+            <a:picLocks noChangeAspect="1"/>
+          </p:cNvPicPr>
+          <p:nvPr/>
+        </p:nvPicPr>
+        <p:blipFill rotWithShape="1">
+          <a:blip r:embed="rId3">
+            <a:extLst>
+              <a:ext uri="{28A0092B-C50C-407E-A947-70E740481C1C}">
+                <a14:useLocalDpi xmlns:a14="http://schemas.microsoft.com/office/drawing/2010/main" val="0"/>
+              </a:ext>
+            </a:extLst>
+          </a:blip>
+          <a:srcRect l="22812" t="7101" r="23131" b="23175"/>
+          <a:stretch/>
+        </p:blipFill>
+        <p:spPr>
+          <a:xfrm>
+            <a:off x="0" y="0"/>
+            <a:ext cx="1132609" cy="1122218"/>
+          </a:xfrm>
+          <a:prstGeom prst="rect">
+            <a:avLst/>
+          </a:prstGeom>
         </p:spPr>
       </p:pic>
     </p:spTree>
     <p:extLst>
       <p:ext uri="{BB962C8B-B14F-4D97-AF65-F5344CB8AC3E}">
-        <p14:creationId xmlns:p14="http://schemas.microsoft.com/office/powerpoint/2010/main" val="1485764478"/>
+        <p14:creationId xmlns:p14="http://schemas.microsoft.com/office/powerpoint/2010/main" val="474162286"/>
       </p:ext>
     </p:extLst>
   </p:cSld>
@@ -4252,8 +4566,8 @@
         </p:nvSpPr>
         <p:spPr>
           <a:xfrm>
-            <a:off x="1451579" y="1091901"/>
-            <a:ext cx="9603275" cy="815275"/>
+            <a:off x="1420895" y="1013524"/>
+            <a:ext cx="9603275" cy="1049235"/>
           </a:xfrm>
         </p:spPr>
         <p:txBody>
@@ -4263,40 +4577,76 @@
           <a:lstStyle/>
           <a:p>
             <a:r>
-              <a:rPr lang="es-PE" sz="4800" dirty="0" smtClean="0">
+              <a:rPr lang="es-PE" sz="4800" dirty="0">
                 <a:latin typeface="Candara" panose="020E0502030303020204" pitchFamily="34" charset="0"/>
               </a:rPr>
-              <a:t>Principal </a:t>
-            </a:r>
-            <a:endParaRPr lang="es-PE" sz="4800" dirty="0">
-              <a:latin typeface="Candara" panose="020E0502030303020204" pitchFamily="34" charset="0"/>
-            </a:endParaRPr>
-          </a:p>
-        </p:txBody>
-      </p:sp>
-      <p:sp>
-        <p:nvSpPr>
-          <p:cNvPr id="3" name="Marcador de contenido 2"/>
-          <p:cNvSpPr>
-            <a:spLocks noGrp="1"/>
-          </p:cNvSpPr>
+              <a:t>Usuario Registrado</a:t>
+            </a:r>
+          </a:p>
+        </p:txBody>
+      </p:sp>
+      <p:pic>
+        <p:nvPicPr>
+          <p:cNvPr id="4" name="Marcador de contenido 3"/>
+          <p:cNvPicPr>
+            <a:picLocks noGrp="1" noChangeAspect="1"/>
+          </p:cNvPicPr>
           <p:nvPr>
             <p:ph idx="1"/>
           </p:nvPr>
-        </p:nvSpPr>
-        <p:spPr/>
-        <p:txBody>
-          <a:bodyPr/>
-          <a:lstStyle/>
-          <a:p>
-            <a:endParaRPr lang="es-PE"/>
-          </a:p>
-        </p:txBody>
-      </p:sp>
+        </p:nvPicPr>
+        <p:blipFill>
+          <a:blip r:embed="rId2">
+            <a:extLst>
+              <a:ext uri="{28A0092B-C50C-407E-A947-70E740481C1C}">
+                <a14:useLocalDpi xmlns:a14="http://schemas.microsoft.com/office/drawing/2010/main" val="0"/>
+              </a:ext>
+            </a:extLst>
+          </a:blip>
+          <a:stretch>
+            <a:fillRect/>
+          </a:stretch>
+        </p:blipFill>
+        <p:spPr>
+          <a:xfrm>
+            <a:off x="2478107" y="1950809"/>
+            <a:ext cx="7488853" cy="4680534"/>
+          </a:xfrm>
+        </p:spPr>
+      </p:pic>
+      <p:pic>
+        <p:nvPicPr>
+          <p:cNvPr id="5" name="Imagen 4"/>
+          <p:cNvPicPr>
+            <a:picLocks noChangeAspect="1"/>
+          </p:cNvPicPr>
+          <p:nvPr/>
+        </p:nvPicPr>
+        <p:blipFill rotWithShape="1">
+          <a:blip r:embed="rId3">
+            <a:extLst>
+              <a:ext uri="{28A0092B-C50C-407E-A947-70E740481C1C}">
+                <a14:useLocalDpi xmlns:a14="http://schemas.microsoft.com/office/drawing/2010/main" val="0"/>
+              </a:ext>
+            </a:extLst>
+          </a:blip>
+          <a:srcRect l="22812" t="7101" r="23131" b="23175"/>
+          <a:stretch/>
+        </p:blipFill>
+        <p:spPr>
+          <a:xfrm>
+            <a:off x="0" y="0"/>
+            <a:ext cx="1132609" cy="1122218"/>
+          </a:xfrm>
+          <a:prstGeom prst="rect">
+            <a:avLst/>
+          </a:prstGeom>
+        </p:spPr>
+      </p:pic>
     </p:spTree>
     <p:extLst>
       <p:ext uri="{BB962C8B-B14F-4D97-AF65-F5344CB8AC3E}">
-        <p14:creationId xmlns:p14="http://schemas.microsoft.com/office/powerpoint/2010/main" val="3311263494"/>
+        <p14:creationId xmlns:p14="http://schemas.microsoft.com/office/powerpoint/2010/main" val="1485764478"/>
       </p:ext>
     </p:extLst>
   </p:cSld>
@@ -4345,8 +4695,8 @@
         </p:nvSpPr>
         <p:spPr>
           <a:xfrm>
-            <a:off x="1438516" y="1065776"/>
-            <a:ext cx="9603275" cy="1049235"/>
+            <a:off x="1451579" y="1091901"/>
+            <a:ext cx="9603275" cy="815275"/>
           </a:xfrm>
         </p:spPr>
         <p:txBody>
@@ -4359,7 +4709,7 @@
               <a:rPr lang="es-PE" sz="4800" dirty="0" smtClean="0">
                 <a:latin typeface="Candara" panose="020E0502030303020204" pitchFamily="34" charset="0"/>
               </a:rPr>
-              <a:t>Agregar Productos</a:t>
+              <a:t>Principal </a:t>
             </a:r>
             <a:endParaRPr lang="es-PE" sz="4800" dirty="0">
               <a:latin typeface="Candara" panose="020E0502030303020204" pitchFamily="34" charset="0"/>
@@ -4367,17 +4717,34 @@
           </a:p>
         </p:txBody>
       </p:sp>
+      <p:sp>
+        <p:nvSpPr>
+          <p:cNvPr id="3" name="Marcador de contenido 2"/>
+          <p:cNvSpPr>
+            <a:spLocks noGrp="1"/>
+          </p:cNvSpPr>
+          <p:nvPr>
+            <p:ph idx="1"/>
+          </p:nvPr>
+        </p:nvSpPr>
+        <p:spPr/>
+        <p:txBody>
+          <a:bodyPr/>
+          <a:lstStyle/>
+          <a:p>
+            <a:endParaRPr lang="es-PE"/>
+          </a:p>
+        </p:txBody>
+      </p:sp>
       <p:pic>
         <p:nvPicPr>
-          <p:cNvPr id="4" name="Marcador de contenido 3"/>
+          <p:cNvPr id="4" name="Imagen 3"/>
           <p:cNvPicPr>
-            <a:picLocks noGrp="1" noChangeAspect="1"/>
+            <a:picLocks noChangeAspect="1"/>
           </p:cNvPicPr>
-          <p:nvPr>
-            <p:ph idx="1"/>
-          </p:nvPr>
+          <p:nvPr/>
         </p:nvPicPr>
-        <p:blipFill>
+        <p:blipFill rotWithShape="1">
           <a:blip r:embed="rId2">
             <a:extLst>
               <a:ext uri="{28A0092B-C50C-407E-A947-70E740481C1C}">
@@ -4385,21 +4752,23 @@
               </a:ext>
             </a:extLst>
           </a:blip>
-          <a:stretch>
-            <a:fillRect/>
-          </a:stretch>
+          <a:srcRect l="22812" t="7101" r="23131" b="23175"/>
+          <a:stretch/>
         </p:blipFill>
         <p:spPr>
           <a:xfrm>
-            <a:off x="2664823" y="1924684"/>
-            <a:ext cx="7654333" cy="4619806"/>
-          </a:xfrm>
+            <a:off x="0" y="0"/>
+            <a:ext cx="1132609" cy="1122218"/>
+          </a:xfrm>
+          <a:prstGeom prst="rect">
+            <a:avLst/>
+          </a:prstGeom>
         </p:spPr>
       </p:pic>
     </p:spTree>
     <p:extLst>
       <p:ext uri="{BB962C8B-B14F-4D97-AF65-F5344CB8AC3E}">
-        <p14:creationId xmlns:p14="http://schemas.microsoft.com/office/powerpoint/2010/main" val="142987115"/>
+        <p14:creationId xmlns:p14="http://schemas.microsoft.com/office/powerpoint/2010/main" val="3311263494"/>
       </p:ext>
     </p:extLst>
   </p:cSld>
@@ -4448,8 +4817,8 @@
         </p:nvSpPr>
         <p:spPr>
           <a:xfrm>
-            <a:off x="1451579" y="1122080"/>
-            <a:ext cx="9603275" cy="893652"/>
+            <a:off x="1438516" y="1065776"/>
+            <a:ext cx="9603275" cy="1049235"/>
           </a:xfrm>
         </p:spPr>
         <p:txBody>
@@ -4462,7 +4831,7 @@
               <a:rPr lang="es-PE" sz="4800" dirty="0" smtClean="0">
                 <a:latin typeface="Candara" panose="020E0502030303020204" pitchFamily="34" charset="0"/>
               </a:rPr>
-              <a:t>Visualizar productos</a:t>
+              <a:t>Agregar Productos</a:t>
             </a:r>
             <a:endParaRPr lang="es-PE" sz="4800" dirty="0">
               <a:latin typeface="Candara" panose="020E0502030303020204" pitchFamily="34" charset="0"/>
@@ -4470,29 +4839,68 @@
           </a:p>
         </p:txBody>
       </p:sp>
-      <p:sp>
-        <p:nvSpPr>
-          <p:cNvPr id="3" name="Marcador de contenido 2"/>
-          <p:cNvSpPr>
-            <a:spLocks noGrp="1"/>
-          </p:cNvSpPr>
+      <p:pic>
+        <p:nvPicPr>
+          <p:cNvPr id="4" name="Marcador de contenido 3"/>
+          <p:cNvPicPr>
+            <a:picLocks noGrp="1" noChangeAspect="1"/>
+          </p:cNvPicPr>
           <p:nvPr>
             <p:ph idx="1"/>
           </p:nvPr>
-        </p:nvSpPr>
-        <p:spPr/>
-        <p:txBody>
-          <a:bodyPr/>
-          <a:lstStyle/>
-          <a:p>
-            <a:endParaRPr lang="es-PE" dirty="0"/>
-          </a:p>
-        </p:txBody>
-      </p:sp>
+        </p:nvPicPr>
+        <p:blipFill>
+          <a:blip r:embed="rId2">
+            <a:extLst>
+              <a:ext uri="{28A0092B-C50C-407E-A947-70E740481C1C}">
+                <a14:useLocalDpi xmlns:a14="http://schemas.microsoft.com/office/drawing/2010/main" val="0"/>
+              </a:ext>
+            </a:extLst>
+          </a:blip>
+          <a:stretch>
+            <a:fillRect/>
+          </a:stretch>
+        </p:blipFill>
+        <p:spPr>
+          <a:xfrm>
+            <a:off x="2664823" y="1924684"/>
+            <a:ext cx="7654333" cy="4619806"/>
+          </a:xfrm>
+        </p:spPr>
+      </p:pic>
+      <p:pic>
+        <p:nvPicPr>
+          <p:cNvPr id="5" name="Imagen 4"/>
+          <p:cNvPicPr>
+            <a:picLocks noChangeAspect="1"/>
+          </p:cNvPicPr>
+          <p:nvPr/>
+        </p:nvPicPr>
+        <p:blipFill rotWithShape="1">
+          <a:blip r:embed="rId3">
+            <a:extLst>
+              <a:ext uri="{28A0092B-C50C-407E-A947-70E740481C1C}">
+                <a14:useLocalDpi xmlns:a14="http://schemas.microsoft.com/office/drawing/2010/main" val="0"/>
+              </a:ext>
+            </a:extLst>
+          </a:blip>
+          <a:srcRect l="22812" t="7101" r="23131" b="23175"/>
+          <a:stretch/>
+        </p:blipFill>
+        <p:spPr>
+          <a:xfrm>
+            <a:off x="0" y="0"/>
+            <a:ext cx="1132609" cy="1122218"/>
+          </a:xfrm>
+          <a:prstGeom prst="rect">
+            <a:avLst/>
+          </a:prstGeom>
+        </p:spPr>
+      </p:pic>
     </p:spTree>
     <p:extLst>
       <p:ext uri="{BB962C8B-B14F-4D97-AF65-F5344CB8AC3E}">
-        <p14:creationId xmlns:p14="http://schemas.microsoft.com/office/powerpoint/2010/main" val="963272175"/>
+        <p14:creationId xmlns:p14="http://schemas.microsoft.com/office/powerpoint/2010/main" val="142987115"/>
       </p:ext>
     </p:extLst>
   </p:cSld>
@@ -4536,7 +4944,41 @@
             <a:spLocks noGrp="1"/>
           </p:cNvSpPr>
           <p:nvPr>
-            <p:ph type="ctrTitle"/>
+            <p:ph type="title"/>
+          </p:nvPr>
+        </p:nvSpPr>
+        <p:spPr>
+          <a:xfrm>
+            <a:off x="1451579" y="1122080"/>
+            <a:ext cx="9603275" cy="893652"/>
+          </a:xfrm>
+        </p:spPr>
+        <p:txBody>
+          <a:bodyPr>
+            <a:normAutofit/>
+          </a:bodyPr>
+          <a:lstStyle/>
+          <a:p>
+            <a:r>
+              <a:rPr lang="es-PE" sz="4800" dirty="0" smtClean="0">
+                <a:latin typeface="Candara" panose="020E0502030303020204" pitchFamily="34" charset="0"/>
+              </a:rPr>
+              <a:t>Visualizar productos</a:t>
+            </a:r>
+            <a:endParaRPr lang="es-PE" sz="4800" dirty="0">
+              <a:latin typeface="Candara" panose="020E0502030303020204" pitchFamily="34" charset="0"/>
+            </a:endParaRPr>
+          </a:p>
+        </p:txBody>
+      </p:sp>
+      <p:sp>
+        <p:nvSpPr>
+          <p:cNvPr id="3" name="Marcador de contenido 2"/>
+          <p:cNvSpPr>
+            <a:spLocks noGrp="1"/>
+          </p:cNvSpPr>
+          <p:nvPr>
+            <p:ph idx="1"/>
           </p:nvPr>
         </p:nvSpPr>
         <p:spPr/>
@@ -4544,66 +4986,51 @@
           <a:bodyPr/>
           <a:lstStyle/>
           <a:p>
-            <a:r>
-              <a:rPr lang="es-PE" dirty="0" smtClean="0"/>
-              <a:t>Prototipo base de datos</a:t>
-            </a:r>
             <a:endParaRPr lang="es-PE" dirty="0"/>
           </a:p>
         </p:txBody>
       </p:sp>
-      <p:sp>
-        <p:nvSpPr>
-          <p:cNvPr id="4" name="Subtítulo 2"/>
-          <p:cNvSpPr>
-            <a:spLocks noGrp="1"/>
-          </p:cNvSpPr>
-          <p:nvPr>
-            <p:ph type="subTitle" idx="1"/>
-          </p:nvPr>
-        </p:nvSpPr>
-        <p:spPr>
-          <a:xfrm>
-            <a:off x="2417780" y="3531204"/>
-            <a:ext cx="8637072" cy="977621"/>
-          </a:xfrm>
-        </p:spPr>
-        <p:txBody>
-          <a:bodyPr/>
-          <a:lstStyle/>
-          <a:p>
-            <a:pPr algn="r"/>
-            <a:r>
-              <a:rPr lang="es-PE" dirty="0" smtClean="0"/>
-              <a:t>INVERTALINE</a:t>
-            </a:r>
-          </a:p>
-          <a:p>
-            <a:pPr algn="r"/>
-            <a:r>
-              <a:rPr lang="es-PE" dirty="0" smtClean="0"/>
-              <a:t>3J </a:t>
-            </a:r>
-            <a:r>
-              <a:rPr lang="es-PE" dirty="0" err="1" smtClean="0"/>
-              <a:t>sOFT</a:t>
-            </a:r>
-            <a:endParaRPr lang="es-PE" dirty="0"/>
-          </a:p>
-        </p:txBody>
-      </p:sp>
+      <p:pic>
+        <p:nvPicPr>
+          <p:cNvPr id="4" name="Imagen 3"/>
+          <p:cNvPicPr>
+            <a:picLocks noChangeAspect="1"/>
+          </p:cNvPicPr>
+          <p:nvPr/>
+        </p:nvPicPr>
+        <p:blipFill rotWithShape="1">
+          <a:blip r:embed="rId2">
+            <a:extLst>
+              <a:ext uri="{28A0092B-C50C-407E-A947-70E740481C1C}">
+                <a14:useLocalDpi xmlns:a14="http://schemas.microsoft.com/office/drawing/2010/main" val="0"/>
+              </a:ext>
+            </a:extLst>
+          </a:blip>
+          <a:srcRect l="22812" t="7101" r="23131" b="23175"/>
+          <a:stretch/>
+        </p:blipFill>
+        <p:spPr>
+          <a:xfrm>
+            <a:off x="0" y="0"/>
+            <a:ext cx="1132609" cy="1122218"/>
+          </a:xfrm>
+          <a:prstGeom prst="rect">
+            <a:avLst/>
+          </a:prstGeom>
+        </p:spPr>
+      </p:pic>
     </p:spTree>
     <p:extLst>
       <p:ext uri="{BB962C8B-B14F-4D97-AF65-F5344CB8AC3E}">
-        <p14:creationId xmlns:p14="http://schemas.microsoft.com/office/powerpoint/2010/main" val="2529416924"/>
+        <p14:creationId xmlns:p14="http://schemas.microsoft.com/office/powerpoint/2010/main" val="963272175"/>
       </p:ext>
     </p:extLst>
   </p:cSld>
   <p:clrMapOvr>
     <a:masterClrMapping/>
   </p:clrMapOvr>
-  <p:transition spd="slow">
-    <p:randomBar dir="vert"/>
+  <p:transition spd="med">
+    <p:pull/>
   </p:transition>
   <p:timing>
     <p:tnLst>

--- a/Web/PROTOTIPO WEB.pptx
+++ b/Web/PROTOTIPO WEB.pptx
@@ -11,11 +11,12 @@
     <p:sldId id="261" r:id="rId5"/>
     <p:sldId id="262" r:id="rId6"/>
     <p:sldId id="263" r:id="rId7"/>
-    <p:sldId id="264" r:id="rId8"/>
-    <p:sldId id="265" r:id="rId9"/>
-    <p:sldId id="268" r:id="rId10"/>
-    <p:sldId id="266" r:id="rId11"/>
-    <p:sldId id="267" r:id="rId12"/>
+    <p:sldId id="270" r:id="rId8"/>
+    <p:sldId id="264" r:id="rId9"/>
+    <p:sldId id="265" r:id="rId10"/>
+    <p:sldId id="268" r:id="rId11"/>
+    <p:sldId id="266" r:id="rId12"/>
+    <p:sldId id="267" r:id="rId13"/>
   </p:sldIdLst>
   <p:sldSz cx="12192000" cy="6858000"/>
   <p:notesSz cx="6858000" cy="9144000"/>
@@ -261,7 +262,7 @@
           <a:p>
             <a:fld id="{48A87A34-81AB-432B-8DAE-1953F412C126}" type="datetimeFigureOut">
               <a:rPr lang="en-US" dirty="0"/>
-              <a:t>2/4/2016</a:t>
+              <a:t>2/6/2016</a:t>
             </a:fld>
             <a:endParaRPr lang="en-US" dirty="0"/>
           </a:p>
@@ -467,7 +468,7 @@
           <a:p>
             <a:fld id="{48A87A34-81AB-432B-8DAE-1953F412C126}" type="datetimeFigureOut">
               <a:rPr lang="en-US" dirty="0"/>
-              <a:t>2/4/2016</a:t>
+              <a:t>2/6/2016</a:t>
             </a:fld>
             <a:endParaRPr lang="en-US" dirty="0"/>
           </a:p>
@@ -677,7 +678,7 @@
           <a:p>
             <a:fld id="{48A87A34-81AB-432B-8DAE-1953F412C126}" type="datetimeFigureOut">
               <a:rPr lang="en-US" dirty="0"/>
-              <a:t>2/4/2016</a:t>
+              <a:t>2/6/2016</a:t>
             </a:fld>
             <a:endParaRPr lang="en-US" dirty="0"/>
           </a:p>
@@ -873,7 +874,7 @@
           <a:p>
             <a:fld id="{48A87A34-81AB-432B-8DAE-1953F412C126}" type="datetimeFigureOut">
               <a:rPr lang="en-US" dirty="0"/>
-              <a:t>2/4/2016</a:t>
+              <a:t>2/6/2016</a:t>
             </a:fld>
             <a:endParaRPr lang="en-US" dirty="0"/>
           </a:p>
@@ -1147,7 +1148,7 @@
           <a:p>
             <a:fld id="{48A87A34-81AB-432B-8DAE-1953F412C126}" type="datetimeFigureOut">
               <a:rPr lang="en-US" dirty="0"/>
-              <a:t>2/4/2016</a:t>
+              <a:t>2/6/2016</a:t>
             </a:fld>
             <a:endParaRPr lang="en-US" dirty="0"/>
           </a:p>
@@ -1410,7 +1411,7 @@
           <a:p>
             <a:fld id="{48A87A34-81AB-432B-8DAE-1953F412C126}" type="datetimeFigureOut">
               <a:rPr lang="en-US" dirty="0"/>
-              <a:t>2/4/2016</a:t>
+              <a:t>2/6/2016</a:t>
             </a:fld>
             <a:endParaRPr lang="en-US" dirty="0"/>
           </a:p>
@@ -1821,7 +1822,7 @@
           <a:p>
             <a:fld id="{48A87A34-81AB-432B-8DAE-1953F412C126}" type="datetimeFigureOut">
               <a:rPr lang="en-US" dirty="0"/>
-              <a:t>2/4/2016</a:t>
+              <a:t>2/6/2016</a:t>
             </a:fld>
             <a:endParaRPr lang="en-US" dirty="0"/>
           </a:p>
@@ -1965,7 +1966,7 @@
           <a:p>
             <a:fld id="{48A87A34-81AB-432B-8DAE-1953F412C126}" type="datetimeFigureOut">
               <a:rPr lang="en-US" dirty="0"/>
-              <a:t>2/4/2016</a:t>
+              <a:t>2/6/2016</a:t>
             </a:fld>
             <a:endParaRPr lang="en-US" dirty="0"/>
           </a:p>
@@ -2086,7 +2087,7 @@
           <a:p>
             <a:fld id="{48A87A34-81AB-432B-8DAE-1953F412C126}" type="datetimeFigureOut">
               <a:rPr lang="en-US" dirty="0"/>
-              <a:t>2/4/2016</a:t>
+              <a:t>2/6/2016</a:t>
             </a:fld>
             <a:endParaRPr lang="en-US" dirty="0"/>
           </a:p>
@@ -2332,7 +2333,7 @@
           <a:p>
             <a:fld id="{48A87A34-81AB-432B-8DAE-1953F412C126}" type="datetimeFigureOut">
               <a:rPr lang="en-US" dirty="0"/>
-              <a:t>2/4/2016</a:t>
+              <a:t>2/6/2016</a:t>
             </a:fld>
             <a:endParaRPr lang="en-US" dirty="0"/>
           </a:p>
@@ -2773,7 +2774,7 @@
             <a:fld id="{48A87A34-81AB-432B-8DAE-1953F412C126}" type="datetimeFigureOut">
               <a:rPr lang="en-US" dirty="0"/>
               <a:pPr/>
-              <a:t>2/4/2016</a:t>
+              <a:t>2/6/2016</a:t>
             </a:fld>
             <a:endParaRPr lang="en-US" dirty="0"/>
           </a:p>
@@ -3095,7 +3096,7 @@
             <a:fld id="{48A87A34-81AB-432B-8DAE-1953F412C126}" type="datetimeFigureOut">
               <a:rPr lang="en-US" dirty="0"/>
               <a:pPr/>
-              <a:t>2/4/2016</a:t>
+              <a:t>2/6/2016</a:t>
             </a:fld>
             <a:endParaRPr lang="en-US" dirty="0"/>
           </a:p>
@@ -3711,6 +3712,138 @@
             <a:spLocks noGrp="1"/>
           </p:cNvSpPr>
           <p:nvPr>
+            <p:ph type="title"/>
+          </p:nvPr>
+        </p:nvSpPr>
+        <p:spPr>
+          <a:xfrm>
+            <a:off x="1451579" y="1122080"/>
+            <a:ext cx="9603275" cy="893652"/>
+          </a:xfrm>
+        </p:spPr>
+        <p:txBody>
+          <a:bodyPr>
+            <a:normAutofit/>
+          </a:bodyPr>
+          <a:lstStyle/>
+          <a:p>
+            <a:r>
+              <a:rPr lang="es-PE" sz="4800" dirty="0" smtClean="0">
+                <a:latin typeface="Candara" panose="020E0502030303020204" pitchFamily="34" charset="0"/>
+              </a:rPr>
+              <a:t>Visualizar productos</a:t>
+            </a:r>
+            <a:endParaRPr lang="es-PE" sz="4800" dirty="0">
+              <a:latin typeface="Candara" panose="020E0502030303020204" pitchFamily="34" charset="0"/>
+            </a:endParaRPr>
+          </a:p>
+        </p:txBody>
+      </p:sp>
+      <p:pic>
+        <p:nvPicPr>
+          <p:cNvPr id="4" name="Imagen 3"/>
+          <p:cNvPicPr>
+            <a:picLocks noChangeAspect="1"/>
+          </p:cNvPicPr>
+          <p:nvPr/>
+        </p:nvPicPr>
+        <p:blipFill rotWithShape="1">
+          <a:blip r:embed="rId2">
+            <a:extLst>
+              <a:ext uri="{28A0092B-C50C-407E-A947-70E740481C1C}">
+                <a14:useLocalDpi xmlns:a14="http://schemas.microsoft.com/office/drawing/2010/main" val="0"/>
+              </a:ext>
+            </a:extLst>
+          </a:blip>
+          <a:srcRect l="22812" t="7101" r="23131" b="23175"/>
+          <a:stretch/>
+        </p:blipFill>
+        <p:spPr>
+          <a:xfrm>
+            <a:off x="0" y="0"/>
+            <a:ext cx="1132609" cy="1122218"/>
+          </a:xfrm>
+          <a:prstGeom prst="rect">
+            <a:avLst/>
+          </a:prstGeom>
+        </p:spPr>
+      </p:pic>
+      <p:pic>
+        <p:nvPicPr>
+          <p:cNvPr id="7" name="Marcador de contenido 6"/>
+          <p:cNvPicPr>
+            <a:picLocks noGrp="1" noChangeAspect="1"/>
+          </p:cNvPicPr>
+          <p:nvPr>
+            <p:ph idx="1"/>
+          </p:nvPr>
+        </p:nvPicPr>
+        <p:blipFill>
+          <a:blip r:embed="rId3">
+            <a:extLst>
+              <a:ext uri="{28A0092B-C50C-407E-A947-70E740481C1C}">
+                <a14:useLocalDpi xmlns:a14="http://schemas.microsoft.com/office/drawing/2010/main" val="0"/>
+              </a:ext>
+            </a:extLst>
+          </a:blip>
+          <a:stretch>
+            <a:fillRect/>
+          </a:stretch>
+        </p:blipFill>
+        <p:spPr>
+          <a:xfrm>
+            <a:off x="2586445" y="1911622"/>
+            <a:ext cx="7524205" cy="4702629"/>
+          </a:xfrm>
+        </p:spPr>
+      </p:pic>
+    </p:spTree>
+    <p:extLst>
+      <p:ext uri="{BB962C8B-B14F-4D97-AF65-F5344CB8AC3E}">
+        <p14:creationId xmlns:p14="http://schemas.microsoft.com/office/powerpoint/2010/main" val="963272175"/>
+      </p:ext>
+    </p:extLst>
+  </p:cSld>
+  <p:clrMapOvr>
+    <a:masterClrMapping/>
+  </p:clrMapOvr>
+  <p:transition spd="med">
+    <p:pull/>
+  </p:transition>
+  <p:timing>
+    <p:tnLst>
+      <p:par>
+        <p:cTn id="1" dur="indefinite" restart="never" nodeType="tmRoot"/>
+      </p:par>
+    </p:tnLst>
+  </p:timing>
+</p:sld>
+</file>
+
+<file path=ppt/slides/slide11.xml><?xml version="1.0" encoding="utf-8"?>
+<p:sld xmlns:a="http://schemas.openxmlformats.org/drawingml/2006/main" xmlns:r="http://schemas.openxmlformats.org/officeDocument/2006/relationships" xmlns:p="http://schemas.openxmlformats.org/presentationml/2006/main">
+  <p:cSld>
+    <p:spTree>
+      <p:nvGrpSpPr>
+        <p:cNvPr id="1" name=""/>
+        <p:cNvGrpSpPr/>
+        <p:nvPr/>
+      </p:nvGrpSpPr>
+      <p:grpSpPr>
+        <a:xfrm>
+          <a:off x="0" y="0"/>
+          <a:ext cx="0" cy="0"/>
+          <a:chOff x="0" y="0"/>
+          <a:chExt cx="0" cy="0"/>
+        </a:xfrm>
+      </p:grpSpPr>
+      <p:sp>
+        <p:nvSpPr>
+          <p:cNvPr id="2" name="Título 1"/>
+          <p:cNvSpPr>
+            <a:spLocks noGrp="1"/>
+          </p:cNvSpPr>
+          <p:nvPr>
             <p:ph type="ctrTitle"/>
           </p:nvPr>
         </p:nvSpPr>
@@ -3819,7 +3952,7 @@
 </p:sld>
 </file>
 
-<file path=ppt/slides/slide11.xml><?xml version="1.0" encoding="utf-8"?>
+<file path=ppt/slides/slide12.xml><?xml version="1.0" encoding="utf-8"?>
 <p:sld xmlns:a="http://schemas.openxmlformats.org/drawingml/2006/main" xmlns:r="http://schemas.openxmlformats.org/officeDocument/2006/relationships" xmlns:p="http://schemas.openxmlformats.org/presentationml/2006/main">
   <p:cSld>
     <p:spTree>
@@ -4693,12 +4826,7 @@
             <p:ph type="title"/>
           </p:nvPr>
         </p:nvSpPr>
-        <p:spPr>
-          <a:xfrm>
-            <a:off x="1451579" y="1091901"/>
-            <a:ext cx="9603275" cy="815275"/>
-          </a:xfrm>
-        </p:spPr>
+        <p:spPr/>
         <p:txBody>
           <a:bodyPr>
             <a:normAutofit/>
@@ -4709,7 +4837,7 @@
               <a:rPr lang="es-PE" sz="4800" dirty="0" smtClean="0">
                 <a:latin typeface="Candara" panose="020E0502030303020204" pitchFamily="34" charset="0"/>
               </a:rPr>
-              <a:t>Principal </a:t>
+              <a:t>principal</a:t>
             </a:r>
             <a:endParaRPr lang="es-PE" sz="4800" dirty="0">
               <a:latin typeface="Candara" panose="020E0502030303020204" pitchFamily="34" charset="0"/>
@@ -4717,34 +4845,17 @@
           </a:p>
         </p:txBody>
       </p:sp>
-      <p:sp>
-        <p:nvSpPr>
-          <p:cNvPr id="3" name="Marcador de contenido 2"/>
-          <p:cNvSpPr>
-            <a:spLocks noGrp="1"/>
-          </p:cNvSpPr>
-          <p:nvPr>
-            <p:ph idx="1"/>
-          </p:nvPr>
-        </p:nvSpPr>
-        <p:spPr/>
-        <p:txBody>
-          <a:bodyPr/>
-          <a:lstStyle/>
-          <a:p>
-            <a:endParaRPr lang="es-PE"/>
-          </a:p>
-        </p:txBody>
-      </p:sp>
       <p:pic>
         <p:nvPicPr>
-          <p:cNvPr id="4" name="Imagen 3"/>
+          <p:cNvPr id="4" name="Marcador de contenido 4"/>
           <p:cNvPicPr>
-            <a:picLocks noChangeAspect="1"/>
+            <a:picLocks noGrp="1" noChangeAspect="1"/>
           </p:cNvPicPr>
-          <p:nvPr/>
+          <p:nvPr>
+            <p:ph idx="1"/>
+          </p:nvPr>
         </p:nvPicPr>
-        <p:blipFill rotWithShape="1">
+        <p:blipFill>
           <a:blip r:embed="rId2">
             <a:extLst>
               <a:ext uri="{28A0092B-C50C-407E-A947-70E740481C1C}">
@@ -4752,39 +4863,27 @@
               </a:ext>
             </a:extLst>
           </a:blip>
-          <a:srcRect l="22812" t="7101" r="23131" b="23175"/>
-          <a:stretch/>
+          <a:stretch>
+            <a:fillRect/>
+          </a:stretch>
         </p:blipFill>
         <p:spPr>
           <a:xfrm>
-            <a:off x="0" y="0"/>
-            <a:ext cx="1132609" cy="1122218"/>
-          </a:xfrm>
-          <a:prstGeom prst="rect">
-            <a:avLst/>
-          </a:prstGeom>
+            <a:off x="2696618" y="2055313"/>
+            <a:ext cx="7328988" cy="4580618"/>
+          </a:xfrm>
         </p:spPr>
       </p:pic>
     </p:spTree>
     <p:extLst>
       <p:ext uri="{BB962C8B-B14F-4D97-AF65-F5344CB8AC3E}">
-        <p14:creationId xmlns:p14="http://schemas.microsoft.com/office/powerpoint/2010/main" val="3311263494"/>
+        <p14:creationId xmlns:p14="http://schemas.microsoft.com/office/powerpoint/2010/main" val="731843194"/>
       </p:ext>
     </p:extLst>
   </p:cSld>
   <p:clrMapOvr>
     <a:masterClrMapping/>
   </p:clrMapOvr>
-  <p:transition spd="med">
-    <p:pull/>
-  </p:transition>
-  <p:timing>
-    <p:tnLst>
-      <p:par>
-        <p:cTn id="1" dur="indefinite" restart="never" nodeType="tmRoot"/>
-      </p:par>
-    </p:tnLst>
-  </p:timing>
 </p:sld>
 </file>
 
@@ -4817,8 +4916,8 @@
         </p:nvSpPr>
         <p:spPr>
           <a:xfrm>
-            <a:off x="1438516" y="1065776"/>
-            <a:ext cx="9603275" cy="1049235"/>
+            <a:off x="1451579" y="1091901"/>
+            <a:ext cx="9603275" cy="815275"/>
           </a:xfrm>
         </p:spPr>
         <p:txBody>
@@ -4831,7 +4930,7 @@
               <a:rPr lang="es-PE" sz="4800" dirty="0" smtClean="0">
                 <a:latin typeface="Candara" panose="020E0502030303020204" pitchFamily="34" charset="0"/>
               </a:rPr>
-              <a:t>Agregar Productos</a:t>
+              <a:t>Barra de Menú</a:t>
             </a:r>
             <a:endParaRPr lang="es-PE" sz="4800" dirty="0">
               <a:latin typeface="Candara" panose="020E0502030303020204" pitchFamily="34" charset="0"/>
@@ -4841,7 +4940,7 @@
       </p:sp>
       <p:pic>
         <p:nvPicPr>
-          <p:cNvPr id="4" name="Marcador de contenido 3"/>
+          <p:cNvPr id="6" name="Marcador de contenido 5"/>
           <p:cNvPicPr>
             <a:picLocks noGrp="1" noChangeAspect="1"/>
           </p:cNvPicPr>
@@ -4863,14 +4962,14 @@
         </p:blipFill>
         <p:spPr>
           <a:xfrm>
-            <a:off x="2664823" y="1924684"/>
-            <a:ext cx="7654333" cy="4619806"/>
+            <a:off x="2607010" y="1907176"/>
+            <a:ext cx="7529767" cy="4706105"/>
           </a:xfrm>
         </p:spPr>
       </p:pic>
       <p:pic>
         <p:nvPicPr>
-          <p:cNvPr id="5" name="Imagen 4"/>
+          <p:cNvPr id="4" name="Imagen 3"/>
           <p:cNvPicPr>
             <a:picLocks noChangeAspect="1"/>
           </p:cNvPicPr>
@@ -4900,7 +4999,7 @@
     </p:spTree>
     <p:extLst>
       <p:ext uri="{BB962C8B-B14F-4D97-AF65-F5344CB8AC3E}">
-        <p14:creationId xmlns:p14="http://schemas.microsoft.com/office/powerpoint/2010/main" val="142987115"/>
+        <p14:creationId xmlns:p14="http://schemas.microsoft.com/office/powerpoint/2010/main" val="3311263494"/>
       </p:ext>
     </p:extLst>
   </p:cSld>
@@ -4949,8 +5048,8 @@
         </p:nvSpPr>
         <p:spPr>
           <a:xfrm>
-            <a:off x="1451579" y="1122080"/>
-            <a:ext cx="9603275" cy="893652"/>
+            <a:off x="1438516" y="1065776"/>
+            <a:ext cx="9603275" cy="1049235"/>
           </a:xfrm>
         </p:spPr>
         <p:txBody>
@@ -4963,7 +5062,7 @@
               <a:rPr lang="es-PE" sz="4800" dirty="0" smtClean="0">
                 <a:latin typeface="Candara" panose="020E0502030303020204" pitchFamily="34" charset="0"/>
               </a:rPr>
-              <a:t>Visualizar productos</a:t>
+              <a:t>Agregar Productos</a:t>
             </a:r>
             <a:endParaRPr lang="es-PE" sz="4800" dirty="0">
               <a:latin typeface="Candara" panose="020E0502030303020204" pitchFamily="34" charset="0"/>
@@ -4971,35 +5070,45 @@
           </a:p>
         </p:txBody>
       </p:sp>
-      <p:sp>
-        <p:nvSpPr>
-          <p:cNvPr id="3" name="Marcador de contenido 2"/>
-          <p:cNvSpPr>
-            <a:spLocks noGrp="1"/>
-          </p:cNvSpPr>
-          <p:nvPr>
-            <p:ph idx="1"/>
-          </p:nvPr>
-        </p:nvSpPr>
-        <p:spPr/>
-        <p:txBody>
-          <a:bodyPr/>
-          <a:lstStyle/>
-          <a:p>
-            <a:endParaRPr lang="es-PE" dirty="0"/>
-          </a:p>
-        </p:txBody>
-      </p:sp>
       <p:pic>
         <p:nvPicPr>
-          <p:cNvPr id="4" name="Imagen 3"/>
+          <p:cNvPr id="4" name="Marcador de contenido 3"/>
+          <p:cNvPicPr>
+            <a:picLocks noGrp="1" noChangeAspect="1"/>
+          </p:cNvPicPr>
+          <p:nvPr>
+            <p:ph idx="1"/>
+          </p:nvPr>
+        </p:nvPicPr>
+        <p:blipFill>
+          <a:blip r:embed="rId2">
+            <a:extLst>
+              <a:ext uri="{28A0092B-C50C-407E-A947-70E740481C1C}">
+                <a14:useLocalDpi xmlns:a14="http://schemas.microsoft.com/office/drawing/2010/main" val="0"/>
+              </a:ext>
+            </a:extLst>
+          </a:blip>
+          <a:stretch>
+            <a:fillRect/>
+          </a:stretch>
+        </p:blipFill>
+        <p:spPr>
+          <a:xfrm>
+            <a:off x="2664823" y="1924684"/>
+            <a:ext cx="7654333" cy="4619806"/>
+          </a:xfrm>
+        </p:spPr>
+      </p:pic>
+      <p:pic>
+        <p:nvPicPr>
+          <p:cNvPr id="5" name="Imagen 4"/>
           <p:cNvPicPr>
             <a:picLocks noChangeAspect="1"/>
           </p:cNvPicPr>
           <p:nvPr/>
         </p:nvPicPr>
         <p:blipFill rotWithShape="1">
-          <a:blip r:embed="rId2">
+          <a:blip r:embed="rId3">
             <a:extLst>
               <a:ext uri="{28A0092B-C50C-407E-A947-70E740481C1C}">
                 <a14:useLocalDpi xmlns:a14="http://schemas.microsoft.com/office/drawing/2010/main" val="0"/>
@@ -5022,7 +5131,7 @@
     </p:spTree>
     <p:extLst>
       <p:ext uri="{BB962C8B-B14F-4D97-AF65-F5344CB8AC3E}">
-        <p14:creationId xmlns:p14="http://schemas.microsoft.com/office/powerpoint/2010/main" val="963272175"/>
+        <p14:creationId xmlns:p14="http://schemas.microsoft.com/office/powerpoint/2010/main" val="142987115"/>
       </p:ext>
     </p:extLst>
   </p:cSld>
